--- a/1.pptx
+++ b/1.pptx
@@ -756,7 +756,7 @@
           <a:p>
             <a:fld id="{99B2560E-1649-4FE1-8286-ADC9942F2E2F}" type="datetimeFigureOut">
               <a:rPr lang="en-GB" smtClean="0"/>
-              <a:t>08/09/2025</a:t>
+              <a:t>09/09/2025</a:t>
             </a:fld>
             <a:endParaRPr lang="en-GB"/>
           </a:p>
@@ -926,7 +926,7 @@
           <a:p>
             <a:fld id="{99B2560E-1649-4FE1-8286-ADC9942F2E2F}" type="datetimeFigureOut">
               <a:rPr lang="en-GB" smtClean="0"/>
-              <a:t>08/09/2025</a:t>
+              <a:t>09/09/2025</a:t>
             </a:fld>
             <a:endParaRPr lang="en-GB"/>
           </a:p>
@@ -1106,7 +1106,7 @@
           <a:p>
             <a:fld id="{99B2560E-1649-4FE1-8286-ADC9942F2E2F}" type="datetimeFigureOut">
               <a:rPr lang="en-GB" smtClean="0"/>
-              <a:t>08/09/2025</a:t>
+              <a:t>09/09/2025</a:t>
             </a:fld>
             <a:endParaRPr lang="en-GB"/>
           </a:p>
@@ -1276,7 +1276,7 @@
           <a:p>
             <a:fld id="{99B2560E-1649-4FE1-8286-ADC9942F2E2F}" type="datetimeFigureOut">
               <a:rPr lang="en-GB" smtClean="0"/>
-              <a:t>08/09/2025</a:t>
+              <a:t>09/09/2025</a:t>
             </a:fld>
             <a:endParaRPr lang="en-GB"/>
           </a:p>
@@ -1522,7 +1522,7 @@
           <a:p>
             <a:fld id="{99B2560E-1649-4FE1-8286-ADC9942F2E2F}" type="datetimeFigureOut">
               <a:rPr lang="en-GB" smtClean="0"/>
-              <a:t>08/09/2025</a:t>
+              <a:t>09/09/2025</a:t>
             </a:fld>
             <a:endParaRPr lang="en-GB"/>
           </a:p>
@@ -1810,7 +1810,7 @@
           <a:p>
             <a:fld id="{99B2560E-1649-4FE1-8286-ADC9942F2E2F}" type="datetimeFigureOut">
               <a:rPr lang="en-GB" smtClean="0"/>
-              <a:t>08/09/2025</a:t>
+              <a:t>09/09/2025</a:t>
             </a:fld>
             <a:endParaRPr lang="en-GB"/>
           </a:p>
@@ -2232,7 +2232,7 @@
           <a:p>
             <a:fld id="{99B2560E-1649-4FE1-8286-ADC9942F2E2F}" type="datetimeFigureOut">
               <a:rPr lang="en-GB" smtClean="0"/>
-              <a:t>08/09/2025</a:t>
+              <a:t>09/09/2025</a:t>
             </a:fld>
             <a:endParaRPr lang="en-GB"/>
           </a:p>
@@ -2350,7 +2350,7 @@
           <a:p>
             <a:fld id="{99B2560E-1649-4FE1-8286-ADC9942F2E2F}" type="datetimeFigureOut">
               <a:rPr lang="en-GB" smtClean="0"/>
-              <a:t>08/09/2025</a:t>
+              <a:t>09/09/2025</a:t>
             </a:fld>
             <a:endParaRPr lang="en-GB"/>
           </a:p>
@@ -2445,7 +2445,7 @@
           <a:p>
             <a:fld id="{99B2560E-1649-4FE1-8286-ADC9942F2E2F}" type="datetimeFigureOut">
               <a:rPr lang="en-GB" smtClean="0"/>
-              <a:t>08/09/2025</a:t>
+              <a:t>09/09/2025</a:t>
             </a:fld>
             <a:endParaRPr lang="en-GB"/>
           </a:p>
@@ -2722,7 +2722,7 @@
           <a:p>
             <a:fld id="{99B2560E-1649-4FE1-8286-ADC9942F2E2F}" type="datetimeFigureOut">
               <a:rPr lang="en-GB" smtClean="0"/>
-              <a:t>08/09/2025</a:t>
+              <a:t>09/09/2025</a:t>
             </a:fld>
             <a:endParaRPr lang="en-GB"/>
           </a:p>
@@ -2975,7 +2975,7 @@
           <a:p>
             <a:fld id="{99B2560E-1649-4FE1-8286-ADC9942F2E2F}" type="datetimeFigureOut">
               <a:rPr lang="en-GB" smtClean="0"/>
-              <a:t>08/09/2025</a:t>
+              <a:t>09/09/2025</a:t>
             </a:fld>
             <a:endParaRPr lang="en-GB"/>
           </a:p>
@@ -3188,7 +3188,7 @@
           <a:p>
             <a:fld id="{99B2560E-1649-4FE1-8286-ADC9942F2E2F}" type="datetimeFigureOut">
               <a:rPr lang="en-GB" smtClean="0"/>
-              <a:t>08/09/2025</a:t>
+              <a:t>09/09/2025</a:t>
             </a:fld>
             <a:endParaRPr lang="en-GB"/>
           </a:p>
@@ -3609,13 +3609,16 @@
             </a:r>
             <a:r>
               <a:rPr lang="hu-HU" dirty="0" smtClean="0"/>
-              <a:t> 9, </a:t>
+              <a:t> </a:t>
+            </a:r>
+            <a:r>
+              <a:rPr lang="hu-HU" dirty="0" smtClean="0"/>
+              <a:t>11, </a:t>
             </a:r>
             <a:r>
               <a:rPr lang="hu-HU" dirty="0" smtClean="0"/>
               <a:t>2025</a:t>
             </a:r>
-            <a:endParaRPr lang="hu-HU" dirty="0" smtClean="0"/>
           </a:p>
           <a:p>
             <a:r>
@@ -3910,7 +3913,6 @@
               <a:rPr lang="en-GB" dirty="0"/>
               <a:t>Pathfinding: The character gets from point A to point B by avoiding obstacles, and doesn't get lost or stuck</a:t>
             </a:r>
-            <a:endParaRPr lang="en-GB" dirty="0"/>
           </a:p>
         </p:txBody>
       </p:sp>
@@ -4021,7 +4023,6 @@
               <a:rPr lang="en-GB" dirty="0"/>
               <a:t>Understanding text, generating meaningful text that adapts to a given context, machine translation</a:t>
             </a:r>
-            <a:endParaRPr lang="en-GB" dirty="0"/>
           </a:p>
         </p:txBody>
       </p:sp>
@@ -4076,7 +4077,6 @@
               <a:rPr lang="en-GB" dirty="0"/>
               <a:t>AI is Task-Specific</a:t>
             </a:r>
-            <a:endParaRPr lang="en-GB" dirty="0"/>
           </a:p>
         </p:txBody>
       </p:sp>
@@ -4196,7 +4196,6 @@
               <a:rPr lang="hu-HU" dirty="0" smtClean="0"/>
               <a:t>.</a:t>
             </a:r>
-            <a:endParaRPr lang="hu-HU" dirty="0" smtClean="0"/>
           </a:p>
           <a:p>
             <a:pPr lvl="1"/>
@@ -4342,7 +4341,6 @@
               <a:rPr lang="hu-HU" dirty="0" smtClean="0"/>
               <a:t>.</a:t>
             </a:r>
-            <a:endParaRPr lang="hu-HU" dirty="0" smtClean="0"/>
           </a:p>
           <a:p>
             <a:r>
@@ -4363,13 +4361,8 @@
             </a:r>
             <a:r>
               <a:rPr lang="hu-HU" dirty="0" smtClean="0"/>
-              <a:t>)</a:t>
-            </a:r>
-            <a:r>
-              <a:rPr lang="hu-HU" dirty="0" smtClean="0"/>
-              <a:t>.</a:t>
-            </a:r>
-            <a:endParaRPr lang="hu-HU" dirty="0" smtClean="0"/>
+              <a:t>).</a:t>
+            </a:r>
           </a:p>
           <a:p>
             <a:r>
@@ -4404,7 +4397,6 @@
               <a:rPr lang="hu-HU" dirty="0" smtClean="0"/>
               <a:t>.</a:t>
             </a:r>
-            <a:endParaRPr lang="hu-HU" dirty="0" smtClean="0"/>
           </a:p>
           <a:p>
             <a:r>
@@ -4415,7 +4407,6 @@
               <a:rPr lang="hu-HU" dirty="0" smtClean="0"/>
               <a:t>.</a:t>
             </a:r>
-            <a:endParaRPr lang="hu-HU" dirty="0" smtClean="0"/>
           </a:p>
           <a:p>
             <a:pPr lvl="1"/>
@@ -4427,7 +4418,6 @@
               <a:rPr lang="hu-HU" dirty="0" smtClean="0"/>
               <a:t>.</a:t>
             </a:r>
-            <a:endParaRPr lang="hu-HU" dirty="0" smtClean="0"/>
           </a:p>
           <a:p>
             <a:pPr lvl="1"/>
@@ -4439,7 +4429,6 @@
               <a:rPr lang="hu-HU" dirty="0" smtClean="0"/>
               <a:t>.</a:t>
             </a:r>
-            <a:endParaRPr lang="hu-HU" dirty="0" smtClean="0"/>
           </a:p>
           <a:p>
             <a:pPr lvl="1"/>
@@ -4550,11 +4539,7 @@
             </a:r>
             <a:r>
               <a:rPr lang="hu-HU" dirty="0" smtClean="0"/>
-              <a:t> </a:t>
-            </a:r>
-            <a:r>
-              <a:rPr lang="hu-HU" dirty="0" smtClean="0"/>
-              <a:t>and </a:t>
+              <a:t> and </a:t>
             </a:r>
             <a:r>
               <a:rPr lang="hu-HU" dirty="0" err="1" smtClean="0"/>
@@ -4656,7 +4641,6 @@
               <a:rPr lang="hu-HU" dirty="0" smtClean="0"/>
               <a:t>:</a:t>
             </a:r>
-            <a:endParaRPr lang="hu-HU" dirty="0" smtClean="0"/>
           </a:p>
           <a:p>
             <a:pPr lvl="1"/>
@@ -4790,7 +4774,6 @@
               <a:rPr lang="hu-HU" dirty="0" smtClean="0"/>
               <a:t>:</a:t>
             </a:r>
-            <a:endParaRPr lang="hu-HU" dirty="0" smtClean="0"/>
           </a:p>
           <a:p>
             <a:pPr lvl="1"/>
@@ -4818,7 +4801,6 @@
               <a:rPr lang="hu-HU" dirty="0" smtClean="0"/>
               <a:t>”</a:t>
             </a:r>
-            <a:endParaRPr lang="hu-HU" dirty="0" smtClean="0"/>
           </a:p>
           <a:p>
             <a:pPr lvl="1"/>
@@ -4846,7 +4828,6 @@
               <a:rPr lang="hu-HU" dirty="0" smtClean="0"/>
               <a:t>”</a:t>
             </a:r>
-            <a:endParaRPr lang="hu-HU" dirty="0" smtClean="0"/>
           </a:p>
           <a:p>
             <a:pPr lvl="1"/>
@@ -4882,7 +4863,6 @@
               <a:rPr lang="hu-HU" dirty="0" smtClean="0"/>
               <a:t>”</a:t>
             </a:r>
-            <a:endParaRPr lang="hu-HU" dirty="0" smtClean="0"/>
           </a:p>
           <a:p>
             <a:pPr lvl="1"/>
@@ -4908,11 +4888,7 @@
             </a:r>
             <a:r>
               <a:rPr lang="hu-HU" dirty="0" smtClean="0"/>
-              <a:t>.</a:t>
-            </a:r>
-            <a:r>
-              <a:rPr lang="hu-HU" dirty="0" smtClean="0"/>
-              <a:t>”</a:t>
+              <a:t>.”</a:t>
             </a:r>
             <a:endParaRPr lang="en-GB" dirty="0"/>
           </a:p>
@@ -5084,7 +5060,6 @@
               <a:rPr lang="hu-HU" dirty="0" smtClean="0"/>
               <a:t>,</a:t>
             </a:r>
-            <a:endParaRPr lang="hu-HU" dirty="0" smtClean="0"/>
           </a:p>
           <a:p>
             <a:pPr lvl="1"/>
@@ -5104,7 +5079,6 @@
               <a:rPr lang="hu-HU" dirty="0" smtClean="0"/>
               <a:t>,</a:t>
             </a:r>
-            <a:endParaRPr lang="hu-HU" dirty="0" smtClean="0"/>
           </a:p>
           <a:p>
             <a:pPr lvl="1"/>
@@ -5186,7 +5160,6 @@
               <a:rPr lang="hu-HU" dirty="0" smtClean="0"/>
               <a:t>.</a:t>
             </a:r>
-            <a:endParaRPr lang="hu-HU" dirty="0" smtClean="0"/>
           </a:p>
         </p:txBody>
       </p:sp>
@@ -5280,13 +5253,31 @@
               <a:rPr lang="hu-HU" dirty="0" smtClean="0"/>
               <a:t>.</a:t>
             </a:r>
+          </a:p>
+          <a:p>
+            <a:pPr lvl="1"/>
+            <a:r>
+              <a:rPr lang="en-GB" dirty="0"/>
+              <a:t>Sorting algorithms </a:t>
+            </a:r>
             <a:endParaRPr lang="hu-HU" dirty="0" smtClean="0"/>
           </a:p>
           <a:p>
             <a:pPr lvl="1"/>
             <a:r>
               <a:rPr lang="en-GB" dirty="0"/>
-              <a:t>Sorting algorithms </a:t>
+              <a:t>Graph algorithms (e.g., connected components, finding the shortest path in a graph</a:t>
+            </a:r>
+            <a:r>
+              <a:rPr lang="hu-HU" dirty="0" smtClean="0"/>
+              <a:t>)</a:t>
+            </a:r>
+          </a:p>
+          <a:p>
+            <a:pPr lvl="1"/>
+            <a:r>
+              <a:rPr lang="en-GB" dirty="0"/>
+              <a:t>Mathematical algorithms </a:t>
             </a:r>
             <a:endParaRPr lang="hu-HU" dirty="0" smtClean="0"/>
           </a:p>
@@ -5294,73 +5285,51 @@
             <a:pPr lvl="1"/>
             <a:r>
               <a:rPr lang="en-GB" dirty="0"/>
-              <a:t>Graph algorithms (e.g., connected components, finding the shortest path in a graph</a:t>
+              <a:t>String algorithms </a:t>
+            </a:r>
+            <a:r>
+              <a:rPr lang="en-GB" dirty="0" smtClean="0"/>
+              <a:t>(</a:t>
+            </a:r>
+            <a:r>
+              <a:rPr lang="hu-HU" dirty="0" err="1" smtClean="0"/>
+              <a:t>e.g</a:t>
+            </a:r>
+            <a:r>
+              <a:rPr lang="hu-HU" dirty="0" smtClean="0"/>
+              <a:t>. </a:t>
+            </a:r>
+            <a:r>
+              <a:rPr lang="en-GB" dirty="0" smtClean="0"/>
+              <a:t>finding </a:t>
+            </a:r>
+            <a:r>
+              <a:rPr lang="en-GB" dirty="0"/>
+              <a:t>the longest substring in two strings)</a:t>
+            </a:r>
+            <a:endParaRPr lang="hu-HU" dirty="0" smtClean="0"/>
+          </a:p>
+          <a:p>
+            <a:pPr lvl="1"/>
+            <a:r>
+              <a:rPr lang="en-GB" dirty="0"/>
+              <a:t>PageRank algorithm (ranking websites based on the number of links pointing to them</a:t>
             </a:r>
             <a:r>
               <a:rPr lang="hu-HU" dirty="0" smtClean="0"/>
               <a:t>)</a:t>
             </a:r>
-            <a:endParaRPr lang="hu-HU" dirty="0" smtClean="0"/>
           </a:p>
           <a:p>
             <a:pPr lvl="1"/>
             <a:r>
               <a:rPr lang="en-GB" dirty="0"/>
-              <a:t>Mathematical algorithms </a:t>
-            </a:r>
-            <a:endParaRPr lang="hu-HU" dirty="0" smtClean="0"/>
-          </a:p>
-          <a:p>
-            <a:pPr lvl="1"/>
-            <a:r>
-              <a:rPr lang="en-GB" dirty="0"/>
-              <a:t>String algorithms </a:t>
-            </a:r>
-            <a:r>
-              <a:rPr lang="en-GB" dirty="0" smtClean="0"/>
-              <a:t>(</a:t>
-            </a:r>
-            <a:r>
-              <a:rPr lang="hu-HU" dirty="0" err="1" smtClean="0"/>
-              <a:t>e.g</a:t>
-            </a:r>
-            <a:r>
-              <a:rPr lang="hu-HU" dirty="0" smtClean="0"/>
-              <a:t>. </a:t>
-            </a:r>
-            <a:r>
-              <a:rPr lang="en-GB" dirty="0" smtClean="0"/>
-              <a:t>finding </a:t>
-            </a:r>
-            <a:r>
-              <a:rPr lang="en-GB" dirty="0"/>
-              <a:t>the longest substring in two strings)</a:t>
-            </a:r>
-            <a:endParaRPr lang="hu-HU" dirty="0" smtClean="0"/>
-          </a:p>
-          <a:p>
-            <a:pPr lvl="1"/>
-            <a:r>
-              <a:rPr lang="en-GB" dirty="0"/>
-              <a:t>PageRank algorithm (ranking websites based on the number of links pointing to them</a:t>
+              <a:t>Machine learning algorithms (training a machine learning model based on training data</a:t>
             </a:r>
             <a:r>
               <a:rPr lang="hu-HU" dirty="0" smtClean="0"/>
               <a:t>)</a:t>
             </a:r>
-            <a:endParaRPr lang="hu-HU" dirty="0" smtClean="0"/>
-          </a:p>
-          <a:p>
-            <a:pPr lvl="1"/>
-            <a:r>
-              <a:rPr lang="en-GB" dirty="0"/>
-              <a:t>Machine learning algorithms (training a machine learning model based on training data</a:t>
-            </a:r>
-            <a:r>
-              <a:rPr lang="hu-HU" dirty="0" smtClean="0"/>
-              <a:t>)</a:t>
-            </a:r>
-            <a:endParaRPr lang="hu-HU" dirty="0" smtClean="0"/>
           </a:p>
         </p:txBody>
       </p:sp>
@@ -5462,7 +5431,6 @@
               <a:rPr lang="en-GB" dirty="0"/>
               <a:t>students with practical knowledge in generating visual, textual, and other types of content, as well as mastering the principles and effective use of prompting. The course also emphasizes a critical interpretation of the limitations, ethical implications, and social impact of the technology.</a:t>
             </a:r>
-            <a:endParaRPr lang="en-GB" dirty="0"/>
           </a:p>
         </p:txBody>
       </p:sp>
@@ -5731,7 +5699,6 @@
               <a:rPr lang="hu-HU" dirty="0" smtClean="0"/>
               <a:t>.</a:t>
             </a:r>
-            <a:endParaRPr lang="hu-HU" dirty="0" smtClean="0"/>
           </a:p>
         </p:txBody>
       </p:sp>
@@ -5838,7 +5805,6 @@
               <a:rPr lang="hu-HU" dirty="0" smtClean="0"/>
               <a:t>.</a:t>
             </a:r>
-            <a:endParaRPr lang="hu-HU" dirty="0" smtClean="0"/>
           </a:p>
         </p:txBody>
       </p:sp>
@@ -5924,7 +5890,6 @@
               <a:rPr lang="hu-HU" dirty="0" smtClean="0"/>
               <a:t>.</a:t>
             </a:r>
-            <a:endParaRPr lang="hu-HU" dirty="0" smtClean="0"/>
           </a:p>
           <a:p>
             <a:r>
@@ -6082,19 +6047,7 @@
             </a:r>
             <a:r>
               <a:rPr lang="hu-HU" dirty="0" smtClean="0"/>
-              <a:t>: </a:t>
-            </a:r>
-            <a:r>
-              <a:rPr lang="hu-HU" dirty="0" smtClean="0"/>
-              <a:t>a </a:t>
-            </a:r>
-            <a:r>
-              <a:rPr lang="hu-HU" dirty="0" smtClean="0"/>
-              <a:t>and </a:t>
-            </a:r>
-            <a:r>
-              <a:rPr lang="hu-HU" dirty="0" smtClean="0"/>
-              <a:t>b, </a:t>
+              <a:t>: a and b, </a:t>
             </a:r>
             <a:r>
               <a:rPr lang="hu-HU" dirty="0" err="1" smtClean="0"/>
@@ -6110,11 +6063,7 @@
             </a:r>
             <a:r>
               <a:rPr lang="hu-HU" dirty="0" smtClean="0"/>
-              <a:t> being: </a:t>
-            </a:r>
-            <a:r>
-              <a:rPr lang="hu-HU" dirty="0" smtClean="0"/>
-              <a:t>a</a:t>
+              <a:t> being: a</a:t>
             </a:r>
             <a:r>
               <a:rPr lang="hu-HU" baseline="-25000" dirty="0" smtClean="0"/>
@@ -6130,15 +6079,7 @@
             </a:r>
             <a:r>
               <a:rPr lang="hu-HU" dirty="0" smtClean="0"/>
-              <a:t> </a:t>
-            </a:r>
-            <a:r>
-              <a:rPr lang="hu-HU" dirty="0" smtClean="0"/>
-              <a:t>and </a:t>
-            </a:r>
-            <a:r>
-              <a:rPr lang="hu-HU" dirty="0" smtClean="0"/>
-              <a:t>b</a:t>
+              <a:t> and b</a:t>
             </a:r>
             <a:r>
               <a:rPr lang="hu-HU" baseline="-25000" dirty="0"/>
@@ -6164,11 +6105,7 @@
             </a:r>
             <a:r>
               <a:rPr lang="hu-HU" dirty="0" smtClean="0"/>
-              <a:t> </a:t>
-            </a:r>
-            <a:r>
-              <a:rPr lang="hu-HU" dirty="0" smtClean="0"/>
-              <a:t>= 0</a:t>
+              <a:t> = 0</a:t>
             </a:r>
             <a:r>
               <a:rPr lang="hu-HU" baseline="-25000" dirty="0"/>
@@ -6218,11 +6155,7 @@
             </a:r>
             <a:r>
               <a:rPr lang="hu-HU" dirty="0" smtClean="0"/>
-              <a:t> </a:t>
-            </a:r>
-            <a:r>
-              <a:rPr lang="hu-HU" dirty="0" smtClean="0"/>
-              <a:t>= 0</a:t>
+              <a:t> = 0</a:t>
             </a:r>
           </a:p>
           <a:p>
@@ -6268,11 +6201,7 @@
             </a:r>
             <a:r>
               <a:rPr lang="hu-HU" dirty="0" smtClean="0"/>
-              <a:t> </a:t>
-            </a:r>
-            <a:r>
-              <a:rPr lang="hu-HU" dirty="0" smtClean="0"/>
-              <a:t>= </a:t>
+              <a:t> = </a:t>
             </a:r>
             <a:r>
               <a:rPr lang="hu-HU" dirty="0" err="1" smtClean="0"/>
@@ -6342,15 +6271,7 @@
             </a:r>
             <a:r>
               <a:rPr lang="hu-HU" dirty="0" smtClean="0"/>
-              <a:t> </a:t>
-            </a:r>
-            <a:r>
-              <a:rPr lang="hu-HU" dirty="0" smtClean="0"/>
-              <a:t>= </a:t>
-            </a:r>
-            <a:r>
-              <a:rPr lang="hu-HU" dirty="0" smtClean="0"/>
-              <a:t>int(</a:t>
+              <a:t> = int(</a:t>
             </a:r>
             <a:r>
               <a:rPr lang="hu-HU" dirty="0" err="1" smtClean="0"/>
@@ -6445,11 +6366,7 @@
             </a:r>
             <a:r>
               <a:rPr lang="hu-HU" dirty="0" smtClean="0"/>
-              <a:t> </a:t>
-            </a:r>
-            <a:r>
-              <a:rPr lang="hu-HU" dirty="0" smtClean="0"/>
-              <a:t>= </a:t>
+              <a:t> = </a:t>
             </a:r>
             <a:r>
               <a:rPr lang="hu-HU" dirty="0" err="1" smtClean="0"/>
@@ -6551,13 +6468,8 @@
             </a:r>
             <a:r>
               <a:rPr lang="hu-HU" dirty="0" smtClean="0"/>
-              <a:t>)</a:t>
-            </a:r>
-            <a:r>
-              <a:rPr lang="hu-HU" dirty="0" smtClean="0"/>
-              <a:t>.</a:t>
-            </a:r>
-            <a:endParaRPr lang="hu-HU" dirty="0" smtClean="0"/>
+              <a:t>).</a:t>
+            </a:r>
           </a:p>
           <a:p>
             <a:r>
@@ -6771,7 +6683,6 @@
               <a:rPr lang="en-GB" dirty="0"/>
               <a:t>Algorithmic Solvability</a:t>
             </a:r>
-            <a:endParaRPr lang="en-GB" dirty="0"/>
           </a:p>
         </p:txBody>
       </p:sp>
@@ -6811,13 +6722,20 @@
               <a:rPr lang="hu-HU" dirty="0" smtClean="0"/>
               <a:t>:</a:t>
             </a:r>
+          </a:p>
+          <a:p>
+            <a:pPr lvl="1"/>
+            <a:r>
+              <a:rPr lang="en-GB" dirty="0"/>
+              <a:t>Finding the shortest path between two points on a map </a:t>
+            </a:r>
             <a:endParaRPr lang="hu-HU" dirty="0" smtClean="0"/>
           </a:p>
           <a:p>
             <a:pPr lvl="1"/>
             <a:r>
               <a:rPr lang="en-GB" dirty="0"/>
-              <a:t>Finding the shortest path between two points on a map </a:t>
+              <a:t>The eight queens puzzle </a:t>
             </a:r>
             <a:endParaRPr lang="hu-HU" dirty="0" smtClean="0"/>
           </a:p>
@@ -6825,21 +6743,12 @@
             <a:pPr lvl="1"/>
             <a:r>
               <a:rPr lang="en-GB" dirty="0"/>
-              <a:t>The eight queens puzzle </a:t>
-            </a:r>
-            <a:endParaRPr lang="hu-HU" dirty="0" smtClean="0"/>
-          </a:p>
-          <a:p>
-            <a:pPr lvl="1"/>
-            <a:r>
-              <a:rPr lang="en-GB" dirty="0"/>
               <a:t>Can the truth of a statement (theorem) be derived from a set of logical premises</a:t>
             </a:r>
             <a:r>
               <a:rPr lang="hu-HU" dirty="0" smtClean="0"/>
               <a:t>?</a:t>
             </a:r>
-            <a:endParaRPr lang="hu-HU" dirty="0" smtClean="0"/>
           </a:p>
         </p:txBody>
       </p:sp>
@@ -6892,7 +6801,6 @@
               <a:rPr lang="en-GB" dirty="0"/>
               <a:t>Algorithmic Solvability</a:t>
             </a:r>
-            <a:endParaRPr lang="en-GB" dirty="0"/>
           </a:p>
         </p:txBody>
       </p:sp>
@@ -6921,24 +6829,23 @@
               <a:rPr lang="hu-HU" dirty="0" smtClean="0"/>
               <a:t>:</a:t>
             </a:r>
+          </a:p>
+          <a:p>
+            <a:pPr lvl="1"/>
+            <a:r>
+              <a:rPr lang="en-GB" dirty="0"/>
+              <a:t>Understanding human </a:t>
+            </a:r>
+            <a:r>
+              <a:rPr lang="en-GB" dirty="0" smtClean="0"/>
+              <a:t>language</a:t>
+            </a:r>
             <a:endParaRPr lang="hu-HU" dirty="0" smtClean="0"/>
           </a:p>
           <a:p>
             <a:pPr lvl="1"/>
             <a:r>
               <a:rPr lang="en-GB" dirty="0"/>
-              <a:t>Understanding human </a:t>
-            </a:r>
-            <a:r>
-              <a:rPr lang="en-GB" dirty="0" smtClean="0"/>
-              <a:t>language</a:t>
-            </a:r>
-            <a:endParaRPr lang="hu-HU" dirty="0" smtClean="0"/>
-          </a:p>
-          <a:p>
-            <a:pPr lvl="1"/>
-            <a:r>
-              <a:rPr lang="en-GB" dirty="0"/>
               <a:t>Image recognition</a:t>
             </a:r>
             <a:r>
@@ -7001,7 +6908,6 @@
               <a:rPr lang="hu-HU" dirty="0" smtClean="0"/>
               <a:t>?</a:t>
             </a:r>
-            <a:endParaRPr lang="hu-HU" dirty="0" smtClean="0"/>
           </a:p>
           <a:p>
             <a:pPr lvl="1"/>
@@ -7187,40 +7093,66 @@
               <a:rPr lang="hu-HU" dirty="0" smtClean="0"/>
               <a:t>.</a:t>
             </a:r>
+          </a:p>
+          <a:p>
+            <a:r>
+              <a:rPr lang="en-GB" dirty="0"/>
+              <a:t>The essence of machine learning is that we describe our observations related to the problem to be solved in the form of characteristics or, in other </a:t>
+            </a:r>
+            <a:r>
+              <a:rPr lang="en-GB" dirty="0" smtClean="0"/>
+              <a:t>words</a:t>
+            </a:r>
+            <a:r>
+              <a:rPr lang="hu-HU" dirty="0" smtClean="0"/>
+              <a:t>, </a:t>
+            </a:r>
+            <a:r>
+              <a:rPr lang="hu-HU" dirty="0" err="1" smtClean="0"/>
+              <a:t>features</a:t>
+            </a:r>
+            <a:r>
+              <a:rPr lang="hu-HU" dirty="0" smtClean="0"/>
+              <a:t>, </a:t>
+            </a:r>
+            <a:r>
+              <a:rPr lang="en-GB" dirty="0"/>
+              <a:t>which are essentially statistical </a:t>
+            </a:r>
+            <a:r>
+              <a:rPr lang="en-GB" dirty="0" smtClean="0"/>
+              <a:t>variables</a:t>
+            </a:r>
+            <a:r>
+              <a:rPr lang="hu-HU" dirty="0" smtClean="0"/>
+              <a:t>:</a:t>
+            </a:r>
+          </a:p>
+          <a:p>
+            <a:pPr lvl="1"/>
+            <a:r>
+              <a:rPr lang="en-GB" dirty="0"/>
+              <a:t>e.g., nominal/categorical variables: the patient's gender, whether they smoke</a:t>
+            </a:r>
             <a:endParaRPr lang="hu-HU" dirty="0" smtClean="0"/>
           </a:p>
           <a:p>
-            <a:r>
-              <a:rPr lang="en-GB" dirty="0"/>
-              <a:t>The essence of machine learning is that we describe our observations related to the problem to be solved in the form of characteristics or, in other </a:t>
-            </a:r>
-            <a:r>
-              <a:rPr lang="en-GB" dirty="0" smtClean="0"/>
-              <a:t>words</a:t>
-            </a:r>
-            <a:r>
-              <a:rPr lang="hu-HU" dirty="0" smtClean="0"/>
-              <a:t>, </a:t>
-            </a:r>
-            <a:r>
-              <a:rPr lang="hu-HU" dirty="0" err="1" smtClean="0"/>
-              <a:t>features</a:t>
-            </a:r>
-            <a:r>
-              <a:rPr lang="hu-HU" dirty="0" smtClean="0"/>
-              <a:t>, </a:t>
-            </a:r>
-            <a:r>
-              <a:rPr lang="en-GB" dirty="0"/>
-              <a:t>which are essentially statistical </a:t>
-            </a:r>
-            <a:r>
-              <a:rPr lang="en-GB" dirty="0" smtClean="0"/>
-              <a:t>variables</a:t>
-            </a:r>
-            <a:r>
-              <a:rPr lang="hu-HU" dirty="0" smtClean="0"/>
-              <a:t>:</a:t>
+            <a:pPr lvl="1"/>
+            <a:r>
+              <a:rPr lang="hu-HU" dirty="0" err="1" smtClean="0"/>
+              <a:t>numeric</a:t>
+            </a:r>
+            <a:r>
+              <a:rPr lang="hu-HU" dirty="0" smtClean="0"/>
+              <a:t> </a:t>
+            </a:r>
+            <a:r>
+              <a:rPr lang="en-GB" dirty="0" smtClean="0"/>
+              <a:t>variables: </a:t>
+            </a:r>
+            <a:r>
+              <a:rPr lang="en-GB" dirty="0"/>
+              <a:t>the patient's age, weight, blood pressure, pulse, blood sugar level</a:t>
             </a:r>
             <a:endParaRPr lang="hu-HU" dirty="0" smtClean="0"/>
           </a:p>
@@ -7228,34 +7160,6 @@
             <a:pPr lvl="1"/>
             <a:r>
               <a:rPr lang="en-GB" dirty="0"/>
-              <a:t>e.g., nominal/categorical variables: the patient's gender, whether they smoke</a:t>
-            </a:r>
-            <a:endParaRPr lang="hu-HU" dirty="0" smtClean="0"/>
-          </a:p>
-          <a:p>
-            <a:pPr lvl="1"/>
-            <a:r>
-              <a:rPr lang="hu-HU" dirty="0" err="1" smtClean="0"/>
-              <a:t>numeric</a:t>
-            </a:r>
-            <a:r>
-              <a:rPr lang="hu-HU" dirty="0" smtClean="0"/>
-              <a:t> </a:t>
-            </a:r>
-            <a:r>
-              <a:rPr lang="en-GB" dirty="0" smtClean="0"/>
-              <a:t>variables: </a:t>
-            </a:r>
-            <a:r>
-              <a:rPr lang="en-GB" dirty="0"/>
-              <a:t>the patient's age, weight, blood pressure, pulse, blood sugar level</a:t>
-            </a:r>
-            <a:endParaRPr lang="hu-HU" dirty="0" smtClean="0"/>
-          </a:p>
-          <a:p>
-            <a:pPr lvl="1"/>
-            <a:r>
-              <a:rPr lang="en-GB" dirty="0"/>
               <a:t>Is the patient </a:t>
             </a:r>
             <a:r>
@@ -7266,7 +7170,6 @@
               <a:rPr lang="hu-HU" dirty="0" smtClean="0"/>
               <a:t>?</a:t>
             </a:r>
-            <a:endParaRPr lang="hu-HU" dirty="0" smtClean="0"/>
           </a:p>
           <a:p>
             <a:r>
@@ -7320,7 +7223,6 @@
               <a:rPr lang="hu-HU" dirty="0" smtClean="0"/>
               <a:t>.</a:t>
             </a:r>
-            <a:endParaRPr lang="hu-HU" dirty="0" smtClean="0"/>
           </a:p>
           <a:p>
             <a:r>
@@ -7379,7 +7281,6 @@
               <a:rPr lang="hu-HU" dirty="0" smtClean="0"/>
               <a:t>.</a:t>
             </a:r>
-            <a:endParaRPr lang="hu-HU" dirty="0" smtClean="0"/>
           </a:p>
           <a:p>
             <a:r>
@@ -7490,11 +7391,7 @@
             </a:r>
             <a:r>
               <a:rPr lang="hu-HU" dirty="0" smtClean="0"/>
-              <a:t> </a:t>
-            </a:r>
-            <a:r>
-              <a:rPr lang="hu-HU" dirty="0" smtClean="0"/>
-              <a:t>(</a:t>
+              <a:t> (</a:t>
             </a:r>
             <a:r>
               <a:rPr lang="hu-HU" dirty="0" err="1" smtClean="0"/>
@@ -7542,13 +7439,8 @@
             </a:r>
             <a:r>
               <a:rPr lang="hu-HU" dirty="0" smtClean="0"/>
-              <a:t> </a:t>
-            </a:r>
-            <a:r>
-              <a:rPr lang="hu-HU" dirty="0" smtClean="0"/>
-              <a:t>etc.)</a:t>
-            </a:r>
-            <a:endParaRPr lang="hu-HU" dirty="0" smtClean="0"/>
+              <a:t> etc.)</a:t>
+            </a:r>
           </a:p>
           <a:p>
             <a:r>
@@ -7573,11 +7465,7 @@
             </a:r>
             <a:r>
               <a:rPr lang="hu-HU" dirty="0" smtClean="0"/>
-              <a:t>1</a:t>
-            </a:r>
-            <a:r>
-              <a:rPr lang="hu-HU" dirty="0" smtClean="0"/>
-              <a:t>)</a:t>
+              <a:t>1)</a:t>
             </a:r>
           </a:p>
           <a:p>
@@ -7846,7 +7734,6 @@
               <a:rPr lang="hu-HU" dirty="0" smtClean="0"/>
               <a:t>.</a:t>
             </a:r>
-            <a:endParaRPr lang="hu-HU" dirty="0" smtClean="0"/>
           </a:p>
           <a:p>
             <a:r>
@@ -7889,7 +7776,6 @@
               <a:rPr lang="hu-HU" dirty="0" smtClean="0"/>
               <a:t>.</a:t>
             </a:r>
-            <a:endParaRPr lang="hu-HU" dirty="0" smtClean="0"/>
           </a:p>
           <a:p>
             <a:r>
@@ -8136,7 +8022,6 @@
               <a:rPr lang="hu-HU" dirty="0" smtClean="0"/>
               <a:t>.</a:t>
             </a:r>
-            <a:endParaRPr lang="hu-HU" dirty="0" smtClean="0"/>
           </a:p>
           <a:p>
             <a:r>
@@ -8377,7 +8262,6 @@
               <a:rPr lang="hu-HU" dirty="0" smtClean="0"/>
               <a:t>.</a:t>
             </a:r>
-            <a:endParaRPr lang="hu-HU" dirty="0" smtClean="0"/>
           </a:p>
           <a:p>
             <a:r>
@@ -8424,7 +8308,6 @@
               <a:rPr lang="hu-HU" dirty="0" smtClean="0"/>
               <a:t>.</a:t>
             </a:r>
-            <a:endParaRPr lang="hu-HU" dirty="0" smtClean="0"/>
           </a:p>
           <a:p>
             <a:r>
@@ -8467,7 +8350,6 @@
               <a:rPr lang="hu-HU" dirty="0" smtClean="0"/>
               <a:t>.</a:t>
             </a:r>
-            <a:endParaRPr lang="hu-HU" dirty="0" smtClean="0"/>
           </a:p>
           <a:p>
             <a:r>
@@ -8490,7 +8372,6 @@
               <a:rPr lang="hu-HU" dirty="0" smtClean="0"/>
               <a:t>:</a:t>
             </a:r>
-            <a:endParaRPr lang="hu-HU" dirty="0" smtClean="0"/>
           </a:p>
           <a:p>
             <a:pPr lvl="1"/>
@@ -8875,47 +8756,54 @@
               <a:rPr lang="hu-HU" dirty="0" smtClean="0"/>
               <a:t>.</a:t>
             </a:r>
+          </a:p>
+          <a:p>
+            <a:r>
+              <a:rPr lang="en-GB" dirty="0"/>
+              <a:t>It assumes that everyone actively uses generative artificial intelligence</a:t>
+            </a:r>
             <a:endParaRPr lang="hu-HU" dirty="0" smtClean="0"/>
           </a:p>
           <a:p>
             <a:r>
               <a:rPr lang="en-GB" dirty="0"/>
-              <a:t>It assumes that everyone actively uses generative artificial intelligence</a:t>
+              <a:t>The goal is to place generative AI in its historical context and present the technology that operates it in a way that is understandable for non-computer scientists</a:t>
             </a:r>
             <a:endParaRPr lang="hu-HU" dirty="0" smtClean="0"/>
           </a:p>
           <a:p>
             <a:r>
               <a:rPr lang="en-GB" dirty="0"/>
-              <a:t>The goal is to place generative AI in its historical context and present the technology that operates it in a way that is understandable for non-computer scientists</a:t>
+              <a:t>The aim is to increase awareness of the technology, and to provide a better understanding of its limitations and capabilities</a:t>
             </a:r>
             <a:endParaRPr lang="hu-HU" dirty="0" smtClean="0"/>
           </a:p>
           <a:p>
             <a:r>
               <a:rPr lang="en-GB" dirty="0"/>
-              <a:t>The aim is to increase awareness of the technology, and to provide a better understanding of its limitations and capabilities</a:t>
+              <a:t>Therefore, it does not rely on any prior knowledge other than user experience</a:t>
             </a:r>
             <a:endParaRPr lang="hu-HU" dirty="0" smtClean="0"/>
           </a:p>
           <a:p>
             <a:r>
               <a:rPr lang="en-GB" dirty="0"/>
-              <a:t>Therefore, it does not rely on any prior knowledge other than user experience</a:t>
+              <a:t>For a deeper understanding of the topic, it is helpful but not essential for participants to have basic knowledge in the fields of computer science, probability theory, linear algebra, and machine learning.</a:t>
+            </a:r>
+          </a:p>
+          <a:p>
+            <a:pPr lvl="1"/>
+            <a:r>
+              <a:rPr lang="en-GB" dirty="0"/>
+              <a:t>Conditional probability, probability distribution </a:t>
             </a:r>
             <a:endParaRPr lang="hu-HU" dirty="0" smtClean="0"/>
           </a:p>
           <a:p>
-            <a:r>
-              <a:rPr lang="en-GB" dirty="0"/>
-              <a:t>For a deeper understanding of the topic, it is helpful but not essential for participants to have basic knowledge in the fields of computer science, probability theory, linear algebra, and machine learning.</a:t>
-            </a:r>
-          </a:p>
-          <a:p>
             <a:pPr lvl="1"/>
             <a:r>
               <a:rPr lang="en-GB" dirty="0"/>
-              <a:t>Conditional probability, probability distribution </a:t>
+              <a:t>Vectors, matrices, dot product </a:t>
             </a:r>
             <a:endParaRPr lang="hu-HU" dirty="0" smtClean="0"/>
           </a:p>
@@ -8923,17 +8811,8 @@
             <a:pPr lvl="1"/>
             <a:r>
               <a:rPr lang="en-GB" dirty="0"/>
-              <a:t>Vectors, matrices, dot product </a:t>
-            </a:r>
-            <a:endParaRPr lang="hu-HU" dirty="0" smtClean="0"/>
-          </a:p>
-          <a:p>
-            <a:pPr lvl="1"/>
-            <a:r>
-              <a:rPr lang="en-GB" dirty="0"/>
               <a:t>Logistic regression, neural network</a:t>
             </a:r>
-            <a:endParaRPr lang="en-GB" dirty="0"/>
           </a:p>
         </p:txBody>
       </p:sp>
@@ -9116,7 +8995,6 @@
               <a:rPr lang="hu-HU" dirty="0" smtClean="0"/>
               <a:t>.</a:t>
             </a:r>
-            <a:endParaRPr lang="hu-HU" dirty="0" smtClean="0"/>
           </a:p>
           <a:p>
             <a:r>
@@ -9131,7 +9009,6 @@
               <a:rPr lang="hu-HU" dirty="0" smtClean="0"/>
               <a:t>.</a:t>
             </a:r>
-            <a:endParaRPr lang="hu-HU" dirty="0" smtClean="0"/>
           </a:p>
           <a:p>
             <a:pPr lvl="1"/>
@@ -9201,11 +9078,7 @@
             </a:r>
             <a:r>
               <a:rPr lang="hu-HU" dirty="0" smtClean="0"/>
-              <a:t>” </a:t>
-            </a:r>
-            <a:r>
-              <a:rPr lang="hu-HU" dirty="0" smtClean="0"/>
-              <a:t>-&gt; </a:t>
+              <a:t>” -&gt; </a:t>
             </a:r>
             <a:r>
               <a:rPr lang="en-GB" dirty="0" smtClean="0"/>
@@ -9219,7 +9092,6 @@
               <a:rPr lang="hu-HU" dirty="0" smtClean="0"/>
               <a:t>”</a:t>
             </a:r>
-            <a:endParaRPr lang="hu-HU" dirty="0" smtClean="0"/>
           </a:p>
           <a:p>
             <a:pPr lvl="1"/>
@@ -9370,7 +9242,6 @@
               <a:rPr lang="en-GB" dirty="0"/>
               <a:t>Text generation with artificial intelligence: encoder-decoder and decoder-only models, recurrent and transformer-based architectures</a:t>
             </a:r>
-            <a:endParaRPr lang="en-GB" dirty="0"/>
           </a:p>
         </p:txBody>
       </p:sp>
@@ -9559,7 +9430,6 @@
               <a:rPr lang="hu-HU" dirty="0" smtClean="0"/>
               <a:t>.</a:t>
             </a:r>
-            <a:endParaRPr lang="hu-HU" dirty="0" smtClean="0"/>
           </a:p>
           <a:p>
             <a:pPr marL="0" indent="0">
@@ -9706,7 +9576,6 @@
               <a:rPr lang="hu-HU" dirty="0" smtClean="0"/>
               <a:t>.</a:t>
             </a:r>
-            <a:endParaRPr lang="hu-HU" dirty="0" smtClean="0"/>
           </a:p>
           <a:p>
             <a:r>
@@ -9820,18 +9689,17 @@
               <a:rPr lang="hu-HU" dirty="0" smtClean="0"/>
               <a:t>5</a:t>
             </a:r>
+          </a:p>
+          <a:p>
+            <a:r>
+              <a:rPr lang="en-GB" dirty="0"/>
+              <a:t>Shift towards computational linguistics </a:t>
+            </a:r>
             <a:endParaRPr lang="hu-HU" dirty="0" smtClean="0"/>
           </a:p>
           <a:p>
             <a:r>
               <a:rPr lang="en-GB" dirty="0"/>
-              <a:t>Shift towards computational linguistics </a:t>
-            </a:r>
-            <a:endParaRPr lang="hu-HU" dirty="0" smtClean="0"/>
-          </a:p>
-          <a:p>
-            <a:r>
-              <a:rPr lang="en-GB" dirty="0"/>
               <a:t>Computer </a:t>
             </a:r>
             <a:r>
@@ -9852,15 +9720,7 @@
             </a:r>
             <a:r>
               <a:rPr lang="hu-HU" dirty="0" smtClean="0"/>
-              <a:t> </a:t>
-            </a:r>
-            <a:r>
-              <a:rPr lang="hu-HU" dirty="0" smtClean="0"/>
-              <a:t>(2010-2016</a:t>
-            </a:r>
-            <a:r>
-              <a:rPr lang="hu-HU" dirty="0" smtClean="0"/>
-              <a:t>, </a:t>
+              <a:t> (2010-2016, </a:t>
             </a:r>
             <a:r>
               <a:rPr lang="hu-HU" dirty="0" err="1" smtClean="0"/>
@@ -9868,11 +9728,7 @@
             </a:r>
             <a:r>
               <a:rPr lang="hu-HU" dirty="0" smtClean="0"/>
-              <a:t> 2021</a:t>
-            </a:r>
-            <a:r>
-              <a:rPr lang="hu-HU" dirty="0" smtClean="0"/>
-              <a:t>)</a:t>
+              <a:t> 2021)</a:t>
             </a:r>
           </a:p>
           <a:p>
@@ -9925,7 +9781,6 @@
               <a:rPr lang="en-GB" dirty="0"/>
               <a:t>In recent years, with generative language models, and in bioinformatics, with DNA language models</a:t>
             </a:r>
-            <a:endParaRPr lang="en-GB" dirty="0"/>
           </a:p>
         </p:txBody>
       </p:sp>
@@ -10021,7 +9876,6 @@
               <a:rPr lang="hu-HU" dirty="0" smtClean="0"/>
               <a:t>?</a:t>
             </a:r>
-            <a:endParaRPr lang="hu-HU" dirty="0" smtClean="0"/>
           </a:p>
           <a:p>
             <a:r>
@@ -10036,7 +9890,6 @@
               <a:rPr lang="hu-HU" dirty="0" smtClean="0"/>
               <a:t>?</a:t>
             </a:r>
-            <a:endParaRPr lang="hu-HU" dirty="0" smtClean="0"/>
           </a:p>
           <a:p>
             <a:r>
@@ -10047,7 +9900,6 @@
               <a:rPr lang="hu-HU" dirty="0" smtClean="0"/>
               <a:t>?</a:t>
             </a:r>
-            <a:endParaRPr lang="hu-HU" dirty="0" smtClean="0"/>
           </a:p>
           <a:p>
             <a:r>
@@ -10440,7 +10292,6 @@
               <a:rPr lang="en-GB" dirty="0"/>
               <a:t>Parallel: Animal Intelligence</a:t>
             </a:r>
-            <a:endParaRPr lang="en-GB" dirty="0"/>
           </a:p>
         </p:txBody>
       </p:sp>
@@ -10485,7 +10336,6 @@
               <a:rPr lang="hu-HU" dirty="0" smtClean="0"/>
               <a:t>.</a:t>
             </a:r>
-            <a:endParaRPr lang="hu-HU" dirty="0" smtClean="0"/>
           </a:p>
           <a:p>
             <a:pPr lvl="1"/>
@@ -10497,7 +10347,6 @@
               <a:rPr lang="hu-HU" dirty="0" smtClean="0"/>
               <a:t>.</a:t>
             </a:r>
-            <a:endParaRPr lang="hu-HU" dirty="0" smtClean="0"/>
           </a:p>
           <a:p>
             <a:pPr lvl="1"/>
@@ -10517,7 +10366,6 @@
               <a:rPr lang="hu-HU" dirty="0" smtClean="0"/>
               <a:t>.</a:t>
             </a:r>
-            <a:endParaRPr lang="hu-HU" dirty="0" smtClean="0"/>
           </a:p>
           <a:p>
             <a:pPr lvl="1"/>
@@ -10533,7 +10381,6 @@
               <a:rPr lang="hu-HU" dirty="0" smtClean="0"/>
               <a:t>.</a:t>
             </a:r>
-            <a:endParaRPr lang="hu-HU" dirty="0" smtClean="0"/>
           </a:p>
         </p:txBody>
       </p:sp>
